--- a/HospitalManagementSystem/HOSPITAL MANAGEMENT SYSTEMppt1modified.pptx
+++ b/HospitalManagementSystem/HOSPITAL MANAGEMENT SYSTEMppt1modified.pptx
@@ -294,7 +294,7 @@
             <a:fld id="{54908F13-AE15-4FC2-BFF2-CF35EB256D0A}" type="datetimeFigureOut">
               <a:rPr lang="en-US" smtClean="0"/>
               <a:pPr/>
-              <a:t>5/11/2022</a:t>
+              <a:t>5/12/2022</a:t>
             </a:fld>
             <a:endParaRPr lang="en-US"/>
           </a:p>
@@ -461,7 +461,7 @@
             <a:fld id="{54908F13-AE15-4FC2-BFF2-CF35EB256D0A}" type="datetimeFigureOut">
               <a:rPr lang="en-US" smtClean="0"/>
               <a:pPr/>
-              <a:t>5/11/2022</a:t>
+              <a:t>5/12/2022</a:t>
             </a:fld>
             <a:endParaRPr lang="en-US"/>
           </a:p>
@@ -638,7 +638,7 @@
             <a:fld id="{54908F13-AE15-4FC2-BFF2-CF35EB256D0A}" type="datetimeFigureOut">
               <a:rPr lang="en-US" smtClean="0"/>
               <a:pPr/>
-              <a:t>5/11/2022</a:t>
+              <a:t>5/12/2022</a:t>
             </a:fld>
             <a:endParaRPr lang="en-US"/>
           </a:p>
@@ -805,7 +805,7 @@
             <a:fld id="{54908F13-AE15-4FC2-BFF2-CF35EB256D0A}" type="datetimeFigureOut">
               <a:rPr lang="en-US" smtClean="0"/>
               <a:pPr/>
-              <a:t>5/11/2022</a:t>
+              <a:t>5/12/2022</a:t>
             </a:fld>
             <a:endParaRPr lang="en-US"/>
           </a:p>
@@ -1049,7 +1049,7 @@
             <a:fld id="{54908F13-AE15-4FC2-BFF2-CF35EB256D0A}" type="datetimeFigureOut">
               <a:rPr lang="en-US" smtClean="0"/>
               <a:pPr/>
-              <a:t>5/11/2022</a:t>
+              <a:t>5/12/2022</a:t>
             </a:fld>
             <a:endParaRPr lang="en-US"/>
           </a:p>
@@ -1315,7 +1315,7 @@
             <a:fld id="{54908F13-AE15-4FC2-BFF2-CF35EB256D0A}" type="datetimeFigureOut">
               <a:rPr lang="en-US" smtClean="0"/>
               <a:pPr/>
-              <a:t>5/11/2022</a:t>
+              <a:t>5/12/2022</a:t>
             </a:fld>
             <a:endParaRPr lang="en-US"/>
           </a:p>
@@ -1695,7 +1695,7 @@
             <a:fld id="{54908F13-AE15-4FC2-BFF2-CF35EB256D0A}" type="datetimeFigureOut">
               <a:rPr lang="en-US" smtClean="0"/>
               <a:pPr/>
-              <a:t>5/11/2022</a:t>
+              <a:t>5/12/2022</a:t>
             </a:fld>
             <a:endParaRPr lang="en-US"/>
           </a:p>
@@ -1847,7 +1847,7 @@
             <a:fld id="{54908F13-AE15-4FC2-BFF2-CF35EB256D0A}" type="datetimeFigureOut">
               <a:rPr lang="en-US" smtClean="0"/>
               <a:pPr/>
-              <a:t>5/11/2022</a:t>
+              <a:t>5/12/2022</a:t>
             </a:fld>
             <a:endParaRPr lang="en-US"/>
           </a:p>
@@ -1939,7 +1939,7 @@
             <a:fld id="{54908F13-AE15-4FC2-BFF2-CF35EB256D0A}" type="datetimeFigureOut">
               <a:rPr lang="en-US" smtClean="0"/>
               <a:pPr/>
-              <a:t>5/11/2022</a:t>
+              <a:t>5/12/2022</a:t>
             </a:fld>
             <a:endParaRPr lang="en-US"/>
           </a:p>
@@ -2202,7 +2202,7 @@
             <a:fld id="{54908F13-AE15-4FC2-BFF2-CF35EB256D0A}" type="datetimeFigureOut">
               <a:rPr lang="en-US" smtClean="0"/>
               <a:pPr/>
-              <a:t>5/11/2022</a:t>
+              <a:t>5/12/2022</a:t>
             </a:fld>
             <a:endParaRPr lang="en-US"/>
           </a:p>
@@ -2492,7 +2492,7 @@
             <a:fld id="{54908F13-AE15-4FC2-BFF2-CF35EB256D0A}" type="datetimeFigureOut">
               <a:rPr lang="en-US" smtClean="0"/>
               <a:pPr/>
-              <a:t>5/11/2022</a:t>
+              <a:t>5/12/2022</a:t>
             </a:fld>
             <a:endParaRPr lang="en-US"/>
           </a:p>
@@ -3265,7 +3265,7 @@
             <a:fld id="{54908F13-AE15-4FC2-BFF2-CF35EB256D0A}" type="datetimeFigureOut">
               <a:rPr lang="en-US" smtClean="0"/>
               <a:pPr/>
-              <a:t>5/11/2022</a:t>
+              <a:t>5/12/2022</a:t>
             </a:fld>
             <a:endParaRPr lang="en-US"/>
           </a:p>
@@ -3986,14 +3986,14 @@
             </a:r>
           </a:p>
           <a:p>
-            <a:pPr algn="l"/>
+            <a:pPr algn="ctr"/>
             <a:r>
               <a:rPr lang="en-US" sz="7200" b="1" dirty="0" smtClean="0">
                 <a:solidFill>
                   <a:srgbClr val="FF0000"/>
                 </a:solidFill>
               </a:rPr>
-              <a:t>                </a:t>
+              <a:t> </a:t>
             </a:r>
             <a:r>
               <a:rPr lang="en-US" sz="7200" b="1" dirty="0" smtClean="0">
@@ -4001,6 +4001,30 @@
                   <a:srgbClr val="FF0000"/>
                 </a:solidFill>
               </a:rPr>
+              <a:t>DINESH </a:t>
+            </a:r>
+            <a:r>
+              <a:rPr lang="en-US" sz="7200" b="1" dirty="0" smtClean="0">
+                <a:solidFill>
+                  <a:srgbClr val="FF0000"/>
+                </a:solidFill>
+              </a:rPr>
+              <a:t>KUMAR       </a:t>
+            </a:r>
+            <a:endParaRPr lang="en-US" sz="7200" b="1" dirty="0" smtClean="0">
+              <a:solidFill>
+                <a:srgbClr val="FF0000"/>
+              </a:solidFill>
+            </a:endParaRPr>
+          </a:p>
+          <a:p>
+            <a:pPr algn="ctr"/>
+            <a:r>
+              <a:rPr lang="en-US" sz="7200" b="1" dirty="0" smtClean="0">
+                <a:solidFill>
+                  <a:srgbClr val="FF0000"/>
+                </a:solidFill>
+              </a:rPr>
               <a:t> </a:t>
             </a:r>
             <a:r>
@@ -4009,8 +4033,56 @@
                   <a:srgbClr val="FF0000"/>
                 </a:solidFill>
               </a:rPr>
-              <a:t>DINESH KUMAR        DIPTI KUMARI       GOMATHI S                              </a:t>
-            </a:r>
+              <a:t>DIPTI KUMARI       </a:t>
+            </a:r>
+            <a:endParaRPr lang="en-US" sz="7200" b="1" dirty="0" smtClean="0">
+              <a:solidFill>
+                <a:srgbClr val="FF0000"/>
+              </a:solidFill>
+            </a:endParaRPr>
+          </a:p>
+          <a:p>
+            <a:pPr algn="ctr"/>
+            <a:r>
+              <a:rPr lang="en-US" sz="7200" b="1" dirty="0" smtClean="0">
+                <a:solidFill>
+                  <a:srgbClr val="FF0000"/>
+                </a:solidFill>
+              </a:rPr>
+              <a:t>GOMATHI</a:t>
+            </a:r>
+            <a:r>
+              <a:rPr lang="en-US" sz="5600" b="1" dirty="0" smtClean="0">
+                <a:solidFill>
+                  <a:srgbClr val="FF0000"/>
+                </a:solidFill>
+              </a:rPr>
+              <a:t> </a:t>
+            </a:r>
+          </a:p>
+          <a:p>
+            <a:pPr algn="ctr"/>
+            <a:r>
+              <a:rPr lang="en-US" sz="7200" b="1" dirty="0" smtClean="0">
+                <a:solidFill>
+                  <a:srgbClr val="FF0000"/>
+                </a:solidFill>
+              </a:rPr>
+              <a:t>MOHHAMAD IBRAHIM</a:t>
+            </a:r>
+            <a:r>
+              <a:rPr lang="en-US" sz="7200" b="1" dirty="0" smtClean="0">
+                <a:solidFill>
+                  <a:srgbClr val="FF0000"/>
+                </a:solidFill>
+              </a:rPr>
+              <a:t>                     </a:t>
+            </a:r>
+            <a:endParaRPr lang="en-US" sz="7200" b="1" dirty="0" smtClean="0">
+              <a:solidFill>
+                <a:srgbClr val="FF0000"/>
+              </a:solidFill>
+            </a:endParaRPr>
           </a:p>
           <a:p>
             <a:pPr algn="l"/>
@@ -4056,21 +4128,8 @@
                   <a:srgbClr val="660066"/>
                 </a:solidFill>
               </a:rPr>
-              <a:t>POOJA MEHTA </a:t>
-            </a:r>
-            <a:r>
-              <a:rPr lang="en-US" sz="9600" b="1" dirty="0" smtClean="0">
-                <a:solidFill>
-                  <a:srgbClr val="660066"/>
-                </a:solidFill>
-              </a:rPr>
-              <a:t>MA’AM</a:t>
-            </a:r>
-            <a:endParaRPr lang="en-US" sz="9600" b="1" dirty="0" smtClean="0">
-              <a:solidFill>
-                <a:srgbClr val="660066"/>
-              </a:solidFill>
-            </a:endParaRPr>
+              <a:t>POOJA MEHTA MA’AM</a:t>
+            </a:r>
           </a:p>
           <a:p>
             <a:r>
@@ -4171,49 +4230,21 @@
                   <a:srgbClr val="FF0000"/>
                 </a:solidFill>
               </a:rPr>
-              <a:t>POJO Classes</a:t>
-            </a:r>
+              <a:t>POJO Classes:- </a:t>
+            </a:r>
+          </a:p>
+          <a:p>
             <a:r>
               <a:rPr lang="en-US" b="1" dirty="0" smtClean="0">
                 <a:solidFill>
                   <a:srgbClr val="FF0000"/>
                 </a:solidFill>
               </a:rPr>
-              <a:t>:- </a:t>
-            </a:r>
-          </a:p>
-          <a:p>
-            <a:r>
-              <a:rPr lang="en-US" b="1" dirty="0" smtClean="0">
-                <a:solidFill>
-                  <a:srgbClr val="FF0000"/>
-                </a:solidFill>
-              </a:rPr>
-              <a:t> </a:t>
-            </a:r>
-            <a:r>
-              <a:rPr lang="en-US" b="1" dirty="0" smtClean="0">
-                <a:solidFill>
-                  <a:srgbClr val="FF0000"/>
-                </a:solidFill>
-              </a:rPr>
-              <a:t>                             </a:t>
-            </a:r>
-            <a:r>
-              <a:rPr lang="en-US" b="1" dirty="0" smtClean="0">
-                <a:solidFill>
-                  <a:srgbClr val="FF0000"/>
-                </a:solidFill>
-              </a:rPr>
-              <a:t> </a:t>
-            </a:r>
-            <a:r>
-              <a:rPr lang="en-US" dirty="0" smtClean="0"/>
-              <a:t>The </a:t>
-            </a:r>
-            <a:r>
-              <a:rPr lang="en-US" dirty="0" smtClean="0"/>
-              <a:t>POJO class is an object class that encapsulates the Business logic. In an MVC architecture, the Controller interacts with the business logic, which contacts with POJO class to access the data. It is the working of the POJO class. How to use POJO class in a Java Program. The POJO class is created to use the objects in other Java Programs.</a:t>
+              <a:t>                               </a:t>
+            </a:r>
+            <a:r>
+              <a:rPr lang="en-US" dirty="0" smtClean="0"/>
+              <a:t>The POJO class is an object class that encapsulates the Business logic. In an MVC architecture, the Controller interacts with the business logic, which contacts with POJO class to access the data. It is the working of the POJO class. How to use POJO class in a Java Program. The POJO class is created to use the objects in other Java Programs.</a:t>
             </a:r>
           </a:p>
           <a:p>
@@ -4229,49 +4260,21 @@
                   <a:srgbClr val="FF0000"/>
                 </a:solidFill>
               </a:rPr>
-              <a:t>Controller Classes:- </a:t>
-            </a:r>
+              <a:t>Controller Classes:-  </a:t>
+            </a:r>
+          </a:p>
+          <a:p>
             <a:r>
               <a:rPr lang="en-US" b="1" dirty="0" smtClean="0">
                 <a:solidFill>
                   <a:srgbClr val="FF0000"/>
                 </a:solidFill>
               </a:rPr>
-              <a:t> </a:t>
-            </a:r>
-          </a:p>
-          <a:p>
-            <a:r>
-              <a:rPr lang="en-US" b="1" dirty="0" smtClean="0">
-                <a:solidFill>
-                  <a:srgbClr val="FF0000"/>
-                </a:solidFill>
-              </a:rPr>
-              <a:t> </a:t>
-            </a:r>
-            <a:r>
-              <a:rPr lang="en-US" b="1" dirty="0" smtClean="0">
-                <a:solidFill>
-                  <a:srgbClr val="FF0000"/>
-                </a:solidFill>
-              </a:rPr>
-              <a:t>                                     </a:t>
-            </a:r>
-            <a:r>
-              <a:rPr lang="en-US" b="1" dirty="0" smtClean="0">
-                <a:solidFill>
-                  <a:srgbClr val="FF0000"/>
-                </a:solidFill>
-              </a:rPr>
-              <a:t> </a:t>
-            </a:r>
-            <a:r>
-              <a:rPr lang="en-US" dirty="0" smtClean="0"/>
-              <a:t>In </a:t>
-            </a:r>
-            <a:r>
-              <a:rPr lang="en-US" dirty="0" smtClean="0"/>
-              <a:t>Spring Boot, the controller class is responsible for processing incoming</a:t>
+              <a:t>                                       </a:t>
+            </a:r>
+            <a:r>
+              <a:rPr lang="en-US" dirty="0" smtClean="0"/>
+              <a:t>In Spring Boot, the controller class is responsible for processing incoming</a:t>
             </a:r>
             <a:r>
               <a:rPr lang="en-US" b="1" dirty="0" smtClean="0"/>
@@ -4631,11 +4634,7 @@
             </a:r>
             <a:r>
               <a:rPr lang="en-US" dirty="0" smtClean="0"/>
-              <a:t>ma’am </a:t>
-            </a:r>
-            <a:r>
-              <a:rPr lang="en-US" dirty="0" smtClean="0"/>
-              <a:t>&amp; </a:t>
+              <a:t>ma’am &amp; </a:t>
             </a:r>
             <a:r>
               <a:rPr lang="en-US" b="1" dirty="0" smtClean="0">
@@ -4647,11 +4646,7 @@
             </a:r>
             <a:r>
               <a:rPr lang="en-US" dirty="0" smtClean="0"/>
-              <a:t>ma’am </a:t>
-            </a:r>
-            <a:r>
-              <a:rPr lang="en-US" dirty="0" smtClean="0"/>
-              <a:t>for teaching us the course in such a way that it became very useful to us. </a:t>
+              <a:t>ma’am for teaching us the course in such a way that it became very useful to us. </a:t>
             </a:r>
           </a:p>
           <a:p>
@@ -4679,11 +4674,7 @@
             </a:r>
             <a:r>
               <a:rPr lang="en-US" dirty="0" smtClean="0"/>
-              <a:t>ma’am </a:t>
-            </a:r>
-            <a:r>
-              <a:rPr lang="en-US" dirty="0" smtClean="0"/>
-              <a:t>for helping us in our project by solving our errors , doubts and results.</a:t>
+              <a:t>ma’am for helping us in our project by solving our errors , doubts and results.</a:t>
             </a:r>
             <a:endParaRPr lang="en-US" dirty="0"/>
           </a:p>
@@ -4770,93 +4761,8 @@
                   </a:schemeClr>
                 </a:solidFill>
               </a:rPr>
-              <a:t> Hospital management system is a automated computer system that helps manage the information related to </a:t>
-            </a:r>
-            <a:r>
-              <a:rPr lang="en-US" sz="9600" dirty="0" smtClean="0">
-                <a:solidFill>
-                  <a:schemeClr val="bg1">
-                    <a:lumMod val="95000"/>
-                    <a:lumOff val="5000"/>
-                  </a:schemeClr>
-                </a:solidFill>
-              </a:rPr>
-              <a:t>health and care in a hospital. </a:t>
-            </a:r>
-            <a:r>
-              <a:rPr lang="en-US" sz="9600" dirty="0" smtClean="0">
-                <a:solidFill>
-                  <a:schemeClr val="bg1">
-                    <a:lumMod val="95000"/>
-                    <a:lumOff val="5000"/>
-                  </a:schemeClr>
-                </a:solidFill>
-              </a:rPr>
-              <a:t>They manage the data related to all departments of healthcare such </a:t>
-            </a:r>
-            <a:r>
-              <a:rPr lang="en-US" sz="9600" dirty="0" smtClean="0">
-                <a:solidFill>
-                  <a:schemeClr val="bg1">
-                    <a:lumMod val="95000"/>
-                    <a:lumOff val="5000"/>
-                  </a:schemeClr>
-                </a:solidFill>
-              </a:rPr>
-              <a:t>as</a:t>
-            </a:r>
-            <a:r>
-              <a:rPr lang="en-US" sz="9600" dirty="0" smtClean="0">
-                <a:solidFill>
-                  <a:schemeClr val="bg1">
-                    <a:lumMod val="95000"/>
-                    <a:lumOff val="5000"/>
-                  </a:schemeClr>
-                </a:solidFill>
-              </a:rPr>
-              <a:t> </a:t>
-            </a:r>
-            <a:r>
-              <a:rPr lang="en-US" sz="9600" dirty="0" smtClean="0">
-                <a:solidFill>
-                  <a:schemeClr val="bg1">
-                    <a:lumMod val="95000"/>
-                    <a:lumOff val="5000"/>
-                  </a:schemeClr>
-                </a:solidFill>
-              </a:rPr>
-              <a:t>Login </a:t>
-            </a:r>
-            <a:r>
-              <a:rPr lang="en-US" sz="9600" dirty="0" smtClean="0">
-                <a:solidFill>
-                  <a:schemeClr val="bg1">
-                    <a:lumMod val="95000"/>
-                    <a:lumOff val="5000"/>
-                  </a:schemeClr>
-                </a:solidFill>
-              </a:rPr>
-              <a:t>,Patient, </a:t>
-            </a:r>
-            <a:r>
-              <a:rPr lang="en-US" sz="9600" dirty="0" smtClean="0">
-                <a:solidFill>
-                  <a:schemeClr val="bg1">
-                    <a:lumMod val="95000"/>
-                    <a:lumOff val="5000"/>
-                  </a:schemeClr>
-                </a:solidFill>
-              </a:rPr>
-              <a:t>Doctor, Appointment.</a:t>
-            </a:r>
-            <a:endParaRPr lang="en-US" sz="9600" dirty="0" smtClean="0">
-              <a:solidFill>
-                <a:schemeClr val="bg1">
-                  <a:lumMod val="95000"/>
-                  <a:lumOff val="5000"/>
-                </a:schemeClr>
-              </a:solidFill>
-            </a:endParaRPr>
+              <a:t> Hospital management system is a automated computer system that helps manage the information related to health and care in a hospital. They manage the data related to all departments of healthcare such as Login ,Patient, Doctor, Appointment.</a:t>
+            </a:r>
           </a:p>
           <a:p>
             <a:r>
@@ -4974,59 +4880,7 @@
           <a:p>
             <a:r>
               <a:rPr lang="en-US" dirty="0" smtClean="0"/>
-              <a:t>The main objective of creating this application is to </a:t>
-            </a:r>
-            <a:r>
-              <a:rPr lang="en-US" dirty="0" smtClean="0"/>
-              <a:t>maintain </a:t>
-            </a:r>
-            <a:r>
-              <a:rPr lang="en-US" dirty="0" smtClean="0"/>
-              <a:t>the hospital system by adding </a:t>
-            </a:r>
-            <a:r>
-              <a:rPr lang="en-US" dirty="0" smtClean="0"/>
-              <a:t>login</a:t>
-            </a:r>
-            <a:r>
-              <a:rPr lang="en-US" dirty="0" smtClean="0"/>
-              <a:t>, </a:t>
-            </a:r>
-            <a:r>
-              <a:rPr lang="en-US" dirty="0" smtClean="0"/>
-              <a:t>patient , doctor </a:t>
-            </a:r>
-            <a:r>
-              <a:rPr lang="en-US" dirty="0" smtClean="0"/>
-              <a:t>as well as appointments. </a:t>
-            </a:r>
-            <a:r>
-              <a:rPr lang="en-US" dirty="0" smtClean="0"/>
-              <a:t>By this we can add , </a:t>
-            </a:r>
-            <a:r>
-              <a:rPr lang="en-US" dirty="0" smtClean="0"/>
-              <a:t>delete</a:t>
-            </a:r>
-            <a:r>
-              <a:rPr lang="en-US" dirty="0" smtClean="0"/>
-              <a:t> them </a:t>
-            </a:r>
-            <a:r>
-              <a:rPr lang="en-US" dirty="0" smtClean="0"/>
-              <a:t>as well. </a:t>
-            </a:r>
-            <a:r>
-              <a:rPr lang="en-US" dirty="0" smtClean="0"/>
-              <a:t>Hence </a:t>
-            </a:r>
-            <a:r>
-              <a:rPr lang="en-US" dirty="0" smtClean="0"/>
-              <a:t>this process is beneficial </a:t>
-            </a:r>
-            <a:r>
-              <a:rPr lang="en-US" dirty="0" smtClean="0"/>
-              <a:t>because  now-a-days everything has become digital.</a:t>
+              <a:t>The main objective of creating this application is to maintain the hospital system by adding login, patient , doctor as well as appointments. By this we can add , delete them as well. Hence this process is beneficial because  now-a-days everything has become digital.</a:t>
             </a:r>
             <a:endParaRPr lang="en-US" dirty="0"/>
           </a:p>
@@ -5112,15 +4966,7 @@
                   <a:srgbClr val="FF0000"/>
                 </a:solidFill>
               </a:rPr>
-              <a:t>          </a:t>
-            </a:r>
-            <a:r>
-              <a:rPr lang="en-US" b="1" dirty="0" smtClean="0">
-                <a:solidFill>
-                  <a:srgbClr val="FF0000"/>
-                </a:solidFill>
-              </a:rPr>
-              <a:t>JAVA:-  </a:t>
+              <a:t>          JAVA:-  </a:t>
             </a:r>
             <a:r>
               <a:rPr lang="en-US" dirty="0" smtClean="0"/>
@@ -5160,6 +5006,23 @@
               </a:rPr>
               <a:t>          </a:t>
             </a:r>
+          </a:p>
+          <a:p>
+            <a:pPr>
+              <a:buNone/>
+            </a:pPr>
+            <a:r>
+              <a:rPr lang="en-US" b="1" dirty="0" smtClean="0">
+                <a:solidFill>
+                  <a:srgbClr val="FF0000"/>
+                </a:solidFill>
+              </a:rPr>
+              <a:t>         SPRING BOOT:-  </a:t>
+            </a:r>
+            <a:r>
+              <a:rPr lang="en-US" dirty="0" smtClean="0"/>
+              <a:t>Spring Boot is an open source Java-based framework used to create a micro Service.</a:t>
+            </a:r>
             <a:endParaRPr lang="en-US" b="1" dirty="0" smtClean="0">
               <a:solidFill>
                 <a:srgbClr val="FF0000"/>
@@ -5176,91 +5039,24 @@
                   <a:srgbClr val="FF0000"/>
                 </a:solidFill>
               </a:rPr>
-              <a:t> </a:t>
-            </a:r>
+              <a:t>          </a:t>
+            </a:r>
+          </a:p>
+          <a:p>
+            <a:pPr>
+              <a:buNone/>
+            </a:pPr>
             <a:r>
               <a:rPr lang="en-US" b="1" dirty="0" smtClean="0">
                 <a:solidFill>
                   <a:srgbClr val="FF0000"/>
                 </a:solidFill>
               </a:rPr>
-              <a:t>        </a:t>
-            </a:r>
-            <a:r>
-              <a:rPr lang="en-US" b="1" dirty="0" smtClean="0">
-                <a:solidFill>
-                  <a:srgbClr val="FF0000"/>
-                </a:solidFill>
-              </a:rPr>
-              <a:t>SPRING BOOT:-  </a:t>
-            </a:r>
-            <a:r>
-              <a:rPr lang="en-US" dirty="0" smtClean="0"/>
-              <a:t>Spring Boot is an open source Java-based framework used to create a micro Service</a:t>
-            </a:r>
-            <a:r>
-              <a:rPr lang="en-US" dirty="0" smtClean="0"/>
-              <a:t>.</a:t>
-            </a:r>
-            <a:endParaRPr lang="en-US" b="1" dirty="0" smtClean="0">
-              <a:solidFill>
-                <a:srgbClr val="FF0000"/>
-              </a:solidFill>
-            </a:endParaRPr>
-          </a:p>
-          <a:p>
-            <a:pPr>
-              <a:buNone/>
-            </a:pPr>
-            <a:r>
-              <a:rPr lang="en-US" b="1" dirty="0" smtClean="0">
-                <a:solidFill>
-                  <a:srgbClr val="FF0000"/>
-                </a:solidFill>
-              </a:rPr>
-              <a:t>          </a:t>
-            </a:r>
-            <a:endParaRPr lang="en-US" b="1" dirty="0" smtClean="0">
-              <a:solidFill>
-                <a:srgbClr val="FF0000"/>
-              </a:solidFill>
-            </a:endParaRPr>
-          </a:p>
-          <a:p>
-            <a:pPr>
-              <a:buNone/>
-            </a:pPr>
-            <a:r>
-              <a:rPr lang="en-US" b="1" dirty="0" smtClean="0">
-                <a:solidFill>
-                  <a:srgbClr val="FF0000"/>
-                </a:solidFill>
-              </a:rPr>
-              <a:t> </a:t>
-            </a:r>
-            <a:r>
-              <a:rPr lang="en-US" b="1" dirty="0" smtClean="0">
-                <a:solidFill>
-                  <a:srgbClr val="FF0000"/>
-                </a:solidFill>
-              </a:rPr>
-              <a:t>        </a:t>
-            </a:r>
-            <a:r>
-              <a:rPr lang="en-US" b="1" dirty="0" smtClean="0">
-                <a:solidFill>
-                  <a:srgbClr val="FF0000"/>
-                </a:solidFill>
-              </a:rPr>
-              <a:t>DATA JPA:-    </a:t>
-            </a:r>
-            <a:r>
-              <a:rPr lang="en-US" dirty="0" smtClean="0"/>
-              <a:t>Spring Data JPA, part of the larger Spring Data family, makes it easy to easily implement JPA based </a:t>
-            </a:r>
-            <a:r>
-              <a:rPr lang="en-US" dirty="0" smtClean="0"/>
-              <a:t>repositories.</a:t>
+              <a:t>         DATA JPA:-    </a:t>
+            </a:r>
+            <a:r>
+              <a:rPr lang="en-US" dirty="0" smtClean="0"/>
+              <a:t>Spring Data JPA, part of the larger Spring Data family, makes it easy to easily implement JPA based repositories.</a:t>
             </a:r>
           </a:p>
           <a:p>
@@ -5285,11 +5081,6 @@
               </a:rPr>
               <a:t>          </a:t>
             </a:r>
-            <a:endParaRPr lang="en-US" b="1" dirty="0" smtClean="0">
-              <a:solidFill>
-                <a:srgbClr val="FF0000"/>
-              </a:solidFill>
-            </a:endParaRPr>
           </a:p>
           <a:p>
             <a:r>
@@ -5298,23 +5089,7 @@
                   <a:srgbClr val="FF0000"/>
                 </a:solidFill>
               </a:rPr>
-              <a:t> </a:t>
-            </a:r>
-            <a:r>
-              <a:rPr lang="en-US" b="1" dirty="0" smtClean="0">
-                <a:solidFill>
-                  <a:srgbClr val="FF0000"/>
-                </a:solidFill>
-              </a:rPr>
-              <a:t>        </a:t>
-            </a:r>
-            <a:r>
-              <a:rPr lang="en-US" b="1" dirty="0" smtClean="0">
-                <a:solidFill>
-                  <a:srgbClr val="FF0000"/>
-                </a:solidFill>
-              </a:rPr>
-              <a:t>MYSQL:-    </a:t>
+              <a:t>         MYSQL:-    </a:t>
             </a:r>
             <a:r>
               <a:rPr lang="en-US" dirty="0" err="1" smtClean="0"/>
@@ -5349,15 +5124,7 @@
                   <a:srgbClr val="FF0000"/>
                 </a:solidFill>
               </a:rPr>
-              <a:t>          </a:t>
-            </a:r>
-            <a:r>
-              <a:rPr lang="en-US" b="1" dirty="0" smtClean="0">
-                <a:solidFill>
-                  <a:srgbClr val="FF0000"/>
-                </a:solidFill>
-              </a:rPr>
-              <a:t>THYMELEAF:-   </a:t>
+              <a:t>          THYMELEAF:-   </a:t>
             </a:r>
             <a:r>
               <a:rPr lang="en-US" dirty="0" err="1" smtClean="0"/>
@@ -5365,15 +5132,7 @@
             </a:r>
             <a:r>
               <a:rPr lang="en-US" dirty="0" smtClean="0"/>
-              <a:t> is a Java-based library used to create a web application. It provides a good support for serving </a:t>
-            </a:r>
-            <a:r>
-              <a:rPr lang="en-US" dirty="0" smtClean="0"/>
-              <a:t>a HTML5 </a:t>
-            </a:r>
-            <a:r>
-              <a:rPr lang="en-US" dirty="0" smtClean="0"/>
-              <a:t>in web applications. </a:t>
+              <a:t> is a Java-based library used to create a web application. It provides a good support for serving a HTML5 in web applications. </a:t>
             </a:r>
             <a:endParaRPr lang="en-US" b="1" dirty="0" smtClean="0">
               <a:solidFill>
@@ -5467,7 +5226,11 @@
               <a:buNone/>
             </a:pPr>
             <a:r>
-              <a:rPr lang="en-US" dirty="0" smtClean="0"/>
+              <a:rPr lang="en-US" sz="3300" b="1" dirty="0" smtClean="0">
+                <a:solidFill>
+                  <a:srgbClr val="FF0000"/>
+                </a:solidFill>
+              </a:rPr>
               <a:t>Hardware Requirement</a:t>
             </a:r>
           </a:p>
@@ -5524,7 +5287,11 @@
               <a:buNone/>
             </a:pPr>
             <a:r>
-              <a:rPr lang="en-US" dirty="0" smtClean="0"/>
+              <a:rPr lang="en-US" sz="3300" b="1" dirty="0" smtClean="0">
+                <a:solidFill>
+                  <a:srgbClr val="FF0000"/>
+                </a:solidFill>
+              </a:rPr>
               <a:t>Software Requirement</a:t>
             </a:r>
           </a:p>
@@ -5669,22 +5436,14 @@
                   <a:srgbClr val="FF0000"/>
                 </a:solidFill>
               </a:rPr>
-              <a:t>   </a:t>
-            </a:r>
-            <a:r>
-              <a:rPr lang="en-US" b="1" dirty="0" smtClean="0">
+              <a:t>    @</a:t>
+            </a:r>
+            <a:r>
+              <a:rPr lang="en-US" b="1" dirty="0" err="1" smtClean="0">
                 <a:solidFill>
                   <a:srgbClr val="FF0000"/>
                 </a:solidFill>
               </a:rPr>
-              <a:t> @</a:t>
-            </a:r>
-            <a:r>
-              <a:rPr lang="en-US" b="1" dirty="0" err="1" smtClean="0">
-                <a:solidFill>
-                  <a:srgbClr val="FF0000"/>
-                </a:solidFill>
-              </a:rPr>
               <a:t>SpringBootApplication</a:t>
             </a:r>
             <a:r>
@@ -5698,11 +5457,7 @@
             </a:pPr>
             <a:r>
               <a:rPr lang="en-US" dirty="0" smtClean="0"/>
-              <a:t> </a:t>
-            </a:r>
-            <a:r>
-              <a:rPr lang="en-US" dirty="0" smtClean="0"/>
-              <a:t>                                                    @</a:t>
+              <a:t>                                                     @</a:t>
             </a:r>
             <a:r>
               <a:rPr lang="en-US" dirty="0" err="1" smtClean="0"/>
@@ -5734,11 +5489,7 @@
             </a:r>
             <a:r>
               <a:rPr lang="en-US" dirty="0" smtClean="0"/>
-              <a:t> annotation is a combination of following three Spring annotations and provides the functionality of all three with just one line of code</a:t>
-            </a:r>
-            <a:r>
-              <a:rPr lang="en-US" dirty="0" smtClean="0"/>
-              <a:t>.</a:t>
+              <a:t> annotation is a combination of following three Spring annotations and provides the functionality of all three with just one line of code.</a:t>
             </a:r>
           </a:p>
           <a:p>
@@ -5749,7 +5500,6 @@
               <a:rPr lang="en-US" dirty="0" smtClean="0"/>
               <a:t> </a:t>
             </a:r>
-            <a:endParaRPr lang="en-US" dirty="0" smtClean="0"/>
           </a:p>
           <a:p>
             <a:pPr>
@@ -5778,23 +5528,11 @@
                   <a:srgbClr val="FF0000"/>
                 </a:solidFill>
               </a:rPr>
-              <a:t> </a:t>
-            </a:r>
-            <a:r>
-              <a:rPr lang="en-US" b="1" dirty="0" smtClean="0">
-                <a:solidFill>
-                  <a:srgbClr val="FF0000"/>
-                </a:solidFill>
-              </a:rPr>
-              <a:t>                                </a:t>
-            </a:r>
-            <a:r>
-              <a:rPr lang="en-US" dirty="0" smtClean="0"/>
-              <a:t>@</a:t>
-            </a:r>
-            <a:r>
-              <a:rPr lang="en-US" dirty="0" smtClean="0"/>
-              <a:t>Controller annotation indicates that the</a:t>
+              <a:t>                                 </a:t>
+            </a:r>
+            <a:r>
+              <a:rPr lang="en-US" dirty="0" smtClean="0"/>
+              <a:t>@Controller annotation indicates that the</a:t>
             </a:r>
             <a:r>
               <a:rPr lang="en-US" b="1" dirty="0" smtClean="0"/>
@@ -5813,7 +5551,6 @@
               <a:rPr lang="en-US" dirty="0" smtClean="0"/>
               <a:t> </a:t>
             </a:r>
-            <a:endParaRPr lang="en-US" dirty="0" smtClean="0"/>
           </a:p>
           <a:p>
             <a:pPr>
@@ -5958,15 +5695,7 @@
                   <a:srgbClr val="FF0000"/>
                 </a:solidFill>
               </a:rPr>
-              <a:t>@</a:t>
-            </a:r>
-            <a:r>
-              <a:rPr lang="en-US" b="1" dirty="0" smtClean="0">
-                <a:solidFill>
-                  <a:srgbClr val="FF0000"/>
-                </a:solidFill>
-              </a:rPr>
-              <a:t>Entity:- </a:t>
+              <a:t>@Entity:- </a:t>
             </a:r>
           </a:p>
           <a:p>
@@ -5975,15 +5704,7 @@
             </a:pPr>
             <a:r>
               <a:rPr lang="en-US" dirty="0" smtClean="0"/>
-              <a:t> </a:t>
-            </a:r>
-            <a:r>
-              <a:rPr lang="en-US" dirty="0" smtClean="0"/>
-              <a:t>                 </a:t>
-            </a:r>
-            <a:r>
-              <a:rPr lang="en-US" dirty="0" smtClean="0"/>
-              <a:t>The @Entity annotation</a:t>
+              <a:t>                  The @Entity annotation</a:t>
             </a:r>
             <a:r>
               <a:rPr lang="en-US" b="1" dirty="0" smtClean="0"/>
@@ -6014,36 +5735,20 @@
                   <a:srgbClr val="FF0000"/>
                 </a:solidFill>
               </a:rPr>
-              <a:t>@</a:t>
-            </a:r>
+              <a:t>@Id :-</a:t>
+            </a:r>
+          </a:p>
+          <a:p>
+            <a:pPr>
+              <a:buNone/>
+            </a:pPr>
             <a:r>
               <a:rPr lang="en-US" b="1" dirty="0" smtClean="0">
                 <a:solidFill>
                   <a:srgbClr val="FF0000"/>
                 </a:solidFill>
               </a:rPr>
-              <a:t>Id :-</a:t>
-            </a:r>
-          </a:p>
-          <a:p>
-            <a:pPr>
-              <a:buNone/>
-            </a:pPr>
-            <a:r>
-              <a:rPr lang="en-US" b="1" dirty="0" smtClean="0">
-                <a:solidFill>
-                  <a:srgbClr val="FF0000"/>
-                </a:solidFill>
-              </a:rPr>
-              <a:t> </a:t>
-            </a:r>
-            <a:r>
-              <a:rPr lang="en-US" b="1" dirty="0" smtClean="0">
-                <a:solidFill>
-                  <a:srgbClr val="FF0000"/>
-                </a:solidFill>
-              </a:rPr>
-              <a:t>                 </a:t>
+              <a:t>                  </a:t>
             </a:r>
             <a:r>
               <a:rPr lang="en-US" dirty="0" smtClean="0"/>
@@ -6061,7 +5766,6 @@
               <a:rPr lang="en-US" dirty="0" smtClean="0"/>
               <a:t>indicating the member field below is the primary key of the current entity. </a:t>
             </a:r>
-            <a:endParaRPr lang="en-US" dirty="0" smtClean="0"/>
           </a:p>
           <a:p>
             <a:pPr>
@@ -6098,15 +5802,7 @@
                   <a:srgbClr val="FF0000"/>
                 </a:solidFill>
               </a:rPr>
-              <a:t> </a:t>
-            </a:r>
-            <a:r>
-              <a:rPr lang="en-US" b="1" dirty="0" smtClean="0">
-                <a:solidFill>
-                  <a:srgbClr val="FF0000"/>
-                </a:solidFill>
-              </a:rPr>
-              <a:t>                  </a:t>
+              <a:t>                   </a:t>
             </a:r>
             <a:r>
               <a:rPr lang="en-US" b="1" dirty="0" smtClean="0"/>
@@ -6171,15 +5867,7 @@
                   <a:srgbClr val="FF0000"/>
                 </a:solidFill>
               </a:rPr>
-              <a:t> </a:t>
-            </a:r>
-            <a:r>
-              <a:rPr lang="en-US" b="1" dirty="0" smtClean="0">
-                <a:solidFill>
-                  <a:srgbClr val="FF0000"/>
-                </a:solidFill>
-              </a:rPr>
-              <a:t>                                      </a:t>
+              <a:t>                                       </a:t>
             </a:r>
             <a:r>
               <a:rPr lang="en-US" dirty="0" smtClean="0"/>
@@ -6291,7 +5979,15 @@
                   <a:srgbClr val="FF0000"/>
                 </a:solidFill>
               </a:rPr>
-              <a:t> </a:t>
+              <a:t> @</a:t>
+            </a:r>
+            <a:r>
+              <a:rPr lang="en-US" b="1" dirty="0" err="1" smtClean="0">
+                <a:solidFill>
+                  <a:srgbClr val="FF0000"/>
+                </a:solidFill>
+              </a:rPr>
+              <a:t>GetMapping</a:t>
             </a:r>
             <a:r>
               <a:rPr lang="en-US" b="1" dirty="0" smtClean="0">
@@ -6299,44 +5995,20 @@
                   <a:srgbClr val="FF0000"/>
                 </a:solidFill>
               </a:rPr>
-              <a:t>@</a:t>
-            </a:r>
-            <a:r>
-              <a:rPr lang="en-US" b="1" dirty="0" err="1" smtClean="0">
+              <a:t> :-</a:t>
+            </a:r>
+          </a:p>
+          <a:p>
+            <a:pPr>
+              <a:buNone/>
+            </a:pPr>
+            <a:r>
+              <a:rPr lang="en-US" b="1" dirty="0" smtClean="0">
                 <a:solidFill>
                   <a:srgbClr val="FF0000"/>
                 </a:solidFill>
               </a:rPr>
-              <a:t>GetMapping</a:t>
-            </a:r>
-            <a:r>
-              <a:rPr lang="en-US" b="1" dirty="0" smtClean="0">
-                <a:solidFill>
-                  <a:srgbClr val="FF0000"/>
-                </a:solidFill>
-              </a:rPr>
-              <a:t> :-</a:t>
-            </a:r>
-          </a:p>
-          <a:p>
-            <a:pPr>
-              <a:buNone/>
-            </a:pPr>
-            <a:r>
-              <a:rPr lang="en-US" b="1" dirty="0" smtClean="0">
-                <a:solidFill>
-                  <a:srgbClr val="FF0000"/>
-                </a:solidFill>
-              </a:rPr>
-              <a:t> </a:t>
-            </a:r>
-            <a:r>
-              <a:rPr lang="en-US" b="1" dirty="0" smtClean="0">
-                <a:solidFill>
-                  <a:srgbClr val="FF0000"/>
-                </a:solidFill>
-              </a:rPr>
-              <a:t>                                </a:t>
+              <a:t>                                 </a:t>
             </a:r>
             <a:r>
               <a:rPr lang="en-US" dirty="0" smtClean="0"/>
@@ -6356,11 +6028,7 @@
             </a:r>
             <a:r>
               <a:rPr lang="en-US" dirty="0" smtClean="0"/>
-              <a:t>. It </a:t>
-            </a:r>
-            <a:r>
-              <a:rPr lang="en-US" dirty="0" smtClean="0"/>
-              <a:t>acts as a shortcut for @</a:t>
+              <a:t>. It acts as a shortcut for @</a:t>
             </a:r>
             <a:r>
               <a:rPr lang="en-US" dirty="0" err="1" smtClean="0"/>
@@ -6378,7 +6046,6 @@
               <a:rPr lang="en-US" dirty="0" smtClean="0"/>
               <a:t>.</a:t>
             </a:r>
-            <a:endParaRPr lang="en-US" dirty="0" smtClean="0"/>
           </a:p>
           <a:p>
             <a:pPr>
@@ -6392,11 +6059,6 @@
               </a:rPr>
               <a:t> </a:t>
             </a:r>
-            <a:endParaRPr lang="en-US" b="1" dirty="0" smtClean="0">
-              <a:solidFill>
-                <a:srgbClr val="FF0000"/>
-              </a:solidFill>
-            </a:endParaRPr>
           </a:p>
           <a:p>
             <a:pPr>
@@ -6408,7 +6070,15 @@
                   <a:srgbClr val="FF0000"/>
                 </a:solidFill>
               </a:rPr>
-              <a:t> </a:t>
+              <a:t> @</a:t>
+            </a:r>
+            <a:r>
+              <a:rPr lang="en-US" b="1" dirty="0" err="1" smtClean="0">
+                <a:solidFill>
+                  <a:srgbClr val="FF0000"/>
+                </a:solidFill>
+              </a:rPr>
+              <a:t>RequestMapping</a:t>
             </a:r>
             <a:r>
               <a:rPr lang="en-US" b="1" dirty="0" smtClean="0">
@@ -6416,44 +6086,20 @@
                   <a:srgbClr val="FF0000"/>
                 </a:solidFill>
               </a:rPr>
-              <a:t>@</a:t>
-            </a:r>
-            <a:r>
-              <a:rPr lang="en-US" b="1" dirty="0" err="1" smtClean="0">
+              <a:t> :-</a:t>
+            </a:r>
+          </a:p>
+          <a:p>
+            <a:pPr>
+              <a:buNone/>
+            </a:pPr>
+            <a:r>
+              <a:rPr lang="en-US" b="1" dirty="0" smtClean="0">
                 <a:solidFill>
                   <a:srgbClr val="FF0000"/>
                 </a:solidFill>
               </a:rPr>
-              <a:t>RequestMapping</a:t>
-            </a:r>
-            <a:r>
-              <a:rPr lang="en-US" b="1" dirty="0" smtClean="0">
-                <a:solidFill>
-                  <a:srgbClr val="FF0000"/>
-                </a:solidFill>
-              </a:rPr>
-              <a:t> :-</a:t>
-            </a:r>
-          </a:p>
-          <a:p>
-            <a:pPr>
-              <a:buNone/>
-            </a:pPr>
-            <a:r>
-              <a:rPr lang="en-US" b="1" dirty="0" smtClean="0">
-                <a:solidFill>
-                  <a:srgbClr val="FF0000"/>
-                </a:solidFill>
-              </a:rPr>
-              <a:t> </a:t>
-            </a:r>
-            <a:r>
-              <a:rPr lang="en-US" b="1" dirty="0" smtClean="0">
-                <a:solidFill>
-                  <a:srgbClr val="FF0000"/>
-                </a:solidFill>
-              </a:rPr>
-              <a:t>                                        </a:t>
+              <a:t>                                         </a:t>
             </a:r>
             <a:r>
               <a:rPr lang="en-US" dirty="0" smtClean="0"/>
@@ -6494,78 +6140,49 @@
                   <a:srgbClr val="FF0000"/>
                 </a:solidFill>
               </a:rPr>
+              <a:t>                                           </a:t>
+            </a:r>
+          </a:p>
+          <a:p>
+            <a:pPr>
+              <a:buNone/>
+            </a:pPr>
+            <a:r>
+              <a:rPr lang="en-US" b="1" dirty="0" smtClean="0">
+                <a:solidFill>
+                  <a:srgbClr val="FF0000"/>
+                </a:solidFill>
+              </a:rPr>
+              <a:t> @</a:t>
+            </a:r>
+            <a:r>
+              <a:rPr lang="en-US" b="1" dirty="0" err="1" smtClean="0">
+                <a:solidFill>
+                  <a:srgbClr val="FF0000"/>
+                </a:solidFill>
+              </a:rPr>
+              <a:t>PostMapping</a:t>
+            </a:r>
+            <a:r>
+              <a:rPr lang="en-US" b="1" dirty="0" smtClean="0">
+                <a:solidFill>
+                  <a:srgbClr val="FF0000"/>
+                </a:solidFill>
+              </a:rPr>
               <a:t> </a:t>
             </a:r>
             <a:r>
-              <a:rPr lang="en-US" b="1" dirty="0" smtClean="0">
-                <a:solidFill>
-                  <a:srgbClr val="FF0000"/>
-                </a:solidFill>
-              </a:rPr>
-              <a:t>                                          </a:t>
-            </a:r>
-            <a:endParaRPr lang="en-US" b="1" dirty="0" smtClean="0">
-              <a:solidFill>
-                <a:srgbClr val="FF0000"/>
-              </a:solidFill>
-            </a:endParaRPr>
+              <a:rPr lang="en-US" dirty="0" smtClean="0"/>
+              <a:t>:-</a:t>
+            </a:r>
           </a:p>
           <a:p>
             <a:pPr>
               <a:buNone/>
             </a:pPr>
             <a:r>
-              <a:rPr lang="en-US" b="1" dirty="0" smtClean="0">
-                <a:solidFill>
-                  <a:srgbClr val="FF0000"/>
-                </a:solidFill>
-              </a:rPr>
-              <a:t> </a:t>
-            </a:r>
-            <a:r>
-              <a:rPr lang="en-US" b="1" dirty="0" smtClean="0">
-                <a:solidFill>
-                  <a:srgbClr val="FF0000"/>
-                </a:solidFill>
-              </a:rPr>
-              <a:t>@</a:t>
-            </a:r>
-            <a:r>
-              <a:rPr lang="en-US" b="1" dirty="0" err="1" smtClean="0">
-                <a:solidFill>
-                  <a:srgbClr val="FF0000"/>
-                </a:solidFill>
-              </a:rPr>
-              <a:t>PostMapping</a:t>
-            </a:r>
-            <a:r>
-              <a:rPr lang="en-US" b="1" dirty="0" smtClean="0">
-                <a:solidFill>
-                  <a:srgbClr val="FF0000"/>
-                </a:solidFill>
-              </a:rPr>
-              <a:t> </a:t>
-            </a:r>
-            <a:r>
-              <a:rPr lang="en-US" dirty="0" smtClean="0"/>
-              <a:t>:-</a:t>
-            </a:r>
-          </a:p>
-          <a:p>
-            <a:pPr>
-              <a:buNone/>
-            </a:pPr>
-            <a:r>
-              <a:rPr lang="en-US" dirty="0" smtClean="0"/>
-              <a:t> </a:t>
-            </a:r>
-            <a:r>
-              <a:rPr lang="en-US" dirty="0" smtClean="0"/>
-              <a:t>                                 </a:t>
-            </a:r>
-            <a:r>
-              <a:rPr lang="en-US" dirty="0" smtClean="0"/>
-              <a:t>@</a:t>
+              <a:rPr lang="en-US" dirty="0" smtClean="0"/>
+              <a:t>                                  @</a:t>
             </a:r>
             <a:r>
               <a:rPr lang="en-US" dirty="0" err="1" smtClean="0"/>
@@ -6666,49 +6283,21 @@
                   <a:srgbClr val="FF0000"/>
                 </a:solidFill>
               </a:rPr>
-              <a:t>Service</a:t>
-            </a:r>
+              <a:t>Service:-</a:t>
+            </a:r>
+          </a:p>
+          <a:p>
             <a:r>
               <a:rPr lang="en-US" b="1" dirty="0" smtClean="0">
                 <a:solidFill>
                   <a:srgbClr val="FF0000"/>
                 </a:solidFill>
               </a:rPr>
-              <a:t>:-</a:t>
-            </a:r>
-          </a:p>
-          <a:p>
-            <a:r>
-              <a:rPr lang="en-US" b="1" dirty="0" smtClean="0">
-                <a:solidFill>
-                  <a:srgbClr val="FF0000"/>
-                </a:solidFill>
-              </a:rPr>
-              <a:t> </a:t>
-            </a:r>
-            <a:r>
-              <a:rPr lang="en-US" b="1" dirty="0" smtClean="0">
-                <a:solidFill>
-                  <a:srgbClr val="FF0000"/>
-                </a:solidFill>
-              </a:rPr>
-              <a:t>                 </a:t>
-            </a:r>
-            <a:r>
-              <a:rPr lang="en-US" b="1" dirty="0" smtClean="0">
-                <a:solidFill>
-                  <a:srgbClr val="FF0000"/>
-                </a:solidFill>
-              </a:rPr>
-              <a:t> </a:t>
-            </a:r>
-            <a:r>
-              <a:rPr lang="en-US" dirty="0" smtClean="0"/>
-              <a:t>Spring </a:t>
-            </a:r>
-            <a:r>
-              <a:rPr lang="en-US" dirty="0" smtClean="0"/>
-              <a:t>boot service component is defined as a class file that includes the</a:t>
+              <a:t>                   </a:t>
+            </a:r>
+            <a:r>
+              <a:rPr lang="en-US" dirty="0" smtClean="0"/>
+              <a:t>Spring boot service component is defined as a class file that includes the</a:t>
             </a:r>
             <a:r>
               <a:rPr lang="en-US" b="1" dirty="0" smtClean="0"/>
@@ -6733,41 +6322,21 @@
                   <a:srgbClr val="FF0000"/>
                 </a:solidFill>
               </a:rPr>
-              <a:t>Repository</a:t>
-            </a:r>
+              <a:t>Repository:- </a:t>
+            </a:r>
+          </a:p>
+          <a:p>
             <a:r>
               <a:rPr lang="en-US" b="1" dirty="0" smtClean="0">
                 <a:solidFill>
                   <a:srgbClr val="FF0000"/>
                 </a:solidFill>
               </a:rPr>
-              <a:t>:- </a:t>
-            </a:r>
-          </a:p>
-          <a:p>
-            <a:r>
-              <a:rPr lang="en-US" b="1" dirty="0" smtClean="0">
-                <a:solidFill>
-                  <a:srgbClr val="FF0000"/>
-                </a:solidFill>
-              </a:rPr>
-              <a:t> </a:t>
-            </a:r>
-            <a:r>
-              <a:rPr lang="en-US" b="1" dirty="0" smtClean="0">
-                <a:solidFill>
-                  <a:srgbClr val="FF0000"/>
-                </a:solidFill>
-              </a:rPr>
-              <a:t>                        </a:t>
-            </a:r>
-            <a:r>
-              <a:rPr lang="en-US" dirty="0" smtClean="0"/>
-              <a:t>Spring </a:t>
-            </a:r>
-            <a:r>
-              <a:rPr lang="en-US" dirty="0" smtClean="0"/>
-              <a:t>is a popular Java application framework and Spring Boot is an evolution of Spring that helps create stand-alone, production-grade Spring based applications easily. @Repository is a Spring annotation that indicates that the decorated class is a repository.</a:t>
+              <a:t>                         </a:t>
+            </a:r>
+            <a:r>
+              <a:rPr lang="en-US" dirty="0" smtClean="0"/>
+              <a:t>Spring is a popular Java application framework and Spring Boot is an evolution of Spring that helps create stand-alone, production-grade Spring based applications easily. @Repository is a Spring annotation that indicates that the decorated class is a repository.</a:t>
             </a:r>
           </a:p>
           <a:p>
